--- a/Spark_PPT/Spark_Learning_Spark_part1.pptx
+++ b/Spark_PPT/Spark_Learning_Spark_part1.pptx
@@ -243,7 +243,7 @@
           <a:p>
             <a:fld id="{EFC232E1-BDCF-4508-AFEC-5CB611B0D38A}" type="datetimeFigureOut">
               <a:rPr lang="en-US" smtClean="0"/>
-              <a:t>3/11/2016</a:t>
+              <a:t>3/21/2016</a:t>
             </a:fld>
             <a:endParaRPr lang="en-US"/>
           </a:p>
@@ -1315,6 +1315,120 @@
 </p:notes>
 </file>
 
+<file path=ppt/notesSlides/notesSlide4.xml><?xml version="1.0" encoding="utf-8"?>
+<p:notes xmlns:a="http://schemas.openxmlformats.org/drawingml/2006/main" xmlns:r="http://schemas.openxmlformats.org/officeDocument/2006/relationships" xmlns:p="http://schemas.openxmlformats.org/presentationml/2006/main">
+  <p:cSld>
+    <p:spTree>
+      <p:nvGrpSpPr>
+        <p:cNvPr id="1" name=""/>
+        <p:cNvGrpSpPr/>
+        <p:nvPr/>
+      </p:nvGrpSpPr>
+      <p:grpSpPr>
+        <a:xfrm>
+          <a:off x="0" y="0"/>
+          <a:ext cx="0" cy="0"/>
+          <a:chOff x="0" y="0"/>
+          <a:chExt cx="0" cy="0"/>
+        </a:xfrm>
+      </p:grpSpPr>
+      <p:sp>
+        <p:nvSpPr>
+          <p:cNvPr id="2" name="Slide Image Placeholder 1"/>
+          <p:cNvSpPr>
+            <a:spLocks noGrp="1" noRot="1" noChangeAspect="1"/>
+          </p:cNvSpPr>
+          <p:nvPr>
+            <p:ph type="sldImg"/>
+          </p:nvPr>
+        </p:nvSpPr>
+        <p:spPr/>
+      </p:sp>
+      <p:sp>
+        <p:nvSpPr>
+          <p:cNvPr id="3" name="Notes Placeholder 2"/>
+          <p:cNvSpPr>
+            <a:spLocks noGrp="1"/>
+          </p:cNvSpPr>
+          <p:nvPr>
+            <p:ph type="body" idx="1"/>
+          </p:nvPr>
+        </p:nvSpPr>
+        <p:spPr/>
+        <p:txBody>
+          <a:bodyPr/>
+          <a:lstStyle/>
+          <a:p>
+            <a:pPr marL="0" marR="0" indent="0" algn="l" defTabSz="914400" rtl="0" eaLnBrk="1" fontAlgn="auto" latinLnBrk="0" hangingPunct="1">
+              <a:lnSpc>
+                <a:spcPct val="100000"/>
+              </a:lnSpc>
+              <a:spcBef>
+                <a:spcPts val="0"/>
+              </a:spcBef>
+              <a:spcAft>
+                <a:spcPts val="0"/>
+              </a:spcAft>
+              <a:buClrTx/>
+              <a:buSzTx/>
+              <a:buFontTx/>
+              <a:buNone/>
+              <a:tabLst/>
+              <a:defRPr/>
+            </a:pPr>
+            <a:r>
+              <a:rPr lang="en-US" b="1" smtClean="0">
+                <a:hlinkClick r:id="rId3"/>
+              </a:rPr>
+              <a:t>http://localhost:4040/stages/</a:t>
+            </a:r>
+            <a:r>
+              <a:rPr lang="en-US" smtClean="0"/>
+              <a:t> you can check the Spark UI.</a:t>
+            </a:r>
+            <a:endParaRPr lang="en-US" b="1" smtClean="0"/>
+          </a:p>
+          <a:p>
+            <a:endParaRPr lang="en-US"/>
+          </a:p>
+        </p:txBody>
+      </p:sp>
+      <p:sp>
+        <p:nvSpPr>
+          <p:cNvPr id="4" name="Slide Number Placeholder 3"/>
+          <p:cNvSpPr>
+            <a:spLocks noGrp="1"/>
+          </p:cNvSpPr>
+          <p:nvPr>
+            <p:ph type="sldNum" sz="quarter" idx="10"/>
+          </p:nvPr>
+        </p:nvSpPr>
+        <p:spPr/>
+        <p:txBody>
+          <a:bodyPr/>
+          <a:lstStyle/>
+          <a:p>
+            <a:fld id="{CF30A53F-7D6B-4AFB-9AF7-F1AC7F9437A7}" type="slidenum">
+              <a:rPr lang="en-US" smtClean="0"/>
+              <a:t>21</a:t>
+            </a:fld>
+            <a:endParaRPr lang="en-US"/>
+          </a:p>
+        </p:txBody>
+      </p:sp>
+    </p:spTree>
+    <p:extLst>
+      <p:ext uri="{BB962C8B-B14F-4D97-AF65-F5344CB8AC3E}">
+        <p14:creationId xmlns:p14="http://schemas.microsoft.com/office/powerpoint/2010/main" val="2664108783"/>
+      </p:ext>
+    </p:extLst>
+  </p:cSld>
+  <p:clrMapOvr>
+    <a:masterClrMapping/>
+  </p:clrMapOvr>
+</p:notes>
+</file>
+
 <file path=ppt/slideLayouts/slideLayout1.xml><?xml version="1.0" encoding="utf-8"?>
 <p:sldLayout xmlns:a="http://schemas.openxmlformats.org/drawingml/2006/main" xmlns:r="http://schemas.openxmlformats.org/officeDocument/2006/relationships" xmlns:p="http://schemas.openxmlformats.org/presentationml/2006/main" type="title" preserve="1">
   <p:cSld name="Title Slide">
@@ -1497,7 +1611,7 @@
             <a:fld id="{1D8BD707-D9CF-40AE-B4C6-C98DA3205C09}" type="datetimeFigureOut">
               <a:rPr lang="en-US" smtClean="0"/>
               <a:pPr/>
-              <a:t>3/11/2016</a:t>
+              <a:t>3/21/2016</a:t>
             </a:fld>
             <a:endParaRPr lang="en-US"/>
           </a:p>
@@ -1664,7 +1778,7 @@
             <a:fld id="{1D8BD707-D9CF-40AE-B4C6-C98DA3205C09}" type="datetimeFigureOut">
               <a:rPr lang="en-US" smtClean="0"/>
               <a:pPr/>
-              <a:t>3/11/2016</a:t>
+              <a:t>3/21/2016</a:t>
             </a:fld>
             <a:endParaRPr lang="en-US"/>
           </a:p>
@@ -1841,7 +1955,7 @@
             <a:fld id="{1D8BD707-D9CF-40AE-B4C6-C98DA3205C09}" type="datetimeFigureOut">
               <a:rPr lang="en-US" smtClean="0"/>
               <a:pPr/>
-              <a:t>3/11/2016</a:t>
+              <a:t>3/21/2016</a:t>
             </a:fld>
             <a:endParaRPr lang="en-US"/>
           </a:p>
@@ -2008,7 +2122,7 @@
             <a:fld id="{1D8BD707-D9CF-40AE-B4C6-C98DA3205C09}" type="datetimeFigureOut">
               <a:rPr lang="en-US" smtClean="0"/>
               <a:pPr/>
-              <a:t>3/11/2016</a:t>
+              <a:t>3/21/2016</a:t>
             </a:fld>
             <a:endParaRPr lang="en-US"/>
           </a:p>
@@ -2251,7 +2365,7 @@
             <a:fld id="{1D8BD707-D9CF-40AE-B4C6-C98DA3205C09}" type="datetimeFigureOut">
               <a:rPr lang="en-US" smtClean="0"/>
               <a:pPr/>
-              <a:t>3/11/2016</a:t>
+              <a:t>3/21/2016</a:t>
             </a:fld>
             <a:endParaRPr lang="en-US"/>
           </a:p>
@@ -2536,7 +2650,7 @@
             <a:fld id="{1D8BD707-D9CF-40AE-B4C6-C98DA3205C09}" type="datetimeFigureOut">
               <a:rPr lang="en-US" smtClean="0"/>
               <a:pPr/>
-              <a:t>3/11/2016</a:t>
+              <a:t>3/21/2016</a:t>
             </a:fld>
             <a:endParaRPr lang="en-US"/>
           </a:p>
@@ -2955,7 +3069,7 @@
             <a:fld id="{1D8BD707-D9CF-40AE-B4C6-C98DA3205C09}" type="datetimeFigureOut">
               <a:rPr lang="en-US" smtClean="0"/>
               <a:pPr/>
-              <a:t>3/11/2016</a:t>
+              <a:t>3/21/2016</a:t>
             </a:fld>
             <a:endParaRPr lang="en-US"/>
           </a:p>
@@ -3070,7 +3184,7 @@
             <a:fld id="{1D8BD707-D9CF-40AE-B4C6-C98DA3205C09}" type="datetimeFigureOut">
               <a:rPr lang="en-US" smtClean="0"/>
               <a:pPr/>
-              <a:t>3/11/2016</a:t>
+              <a:t>3/21/2016</a:t>
             </a:fld>
             <a:endParaRPr lang="en-US"/>
           </a:p>
@@ -3162,7 +3276,7 @@
             <a:fld id="{1D8BD707-D9CF-40AE-B4C6-C98DA3205C09}" type="datetimeFigureOut">
               <a:rPr lang="en-US" smtClean="0"/>
               <a:pPr/>
-              <a:t>3/11/2016</a:t>
+              <a:t>3/21/2016</a:t>
             </a:fld>
             <a:endParaRPr lang="en-US"/>
           </a:p>
@@ -3436,7 +3550,7 @@
             <a:fld id="{1D8BD707-D9CF-40AE-B4C6-C98DA3205C09}" type="datetimeFigureOut">
               <a:rPr lang="en-US" smtClean="0"/>
               <a:pPr/>
-              <a:t>3/11/2016</a:t>
+              <a:t>3/21/2016</a:t>
             </a:fld>
             <a:endParaRPr lang="en-US"/>
           </a:p>
@@ -3686,7 +3800,7 @@
             <a:fld id="{1D8BD707-D9CF-40AE-B4C6-C98DA3205C09}" type="datetimeFigureOut">
               <a:rPr lang="en-US" smtClean="0"/>
               <a:pPr/>
-              <a:t>3/11/2016</a:t>
+              <a:t>3/21/2016</a:t>
             </a:fld>
             <a:endParaRPr lang="en-US"/>
           </a:p>
@@ -3896,7 +4010,7 @@
             <a:fld id="{1D8BD707-D9CF-40AE-B4C6-C98DA3205C09}" type="datetimeFigureOut">
               <a:rPr lang="en-US" smtClean="0"/>
               <a:pPr/>
-              <a:t>3/11/2016</a:t>
+              <a:t>3/21/2016</a:t>
             </a:fld>
             <a:endParaRPr lang="en-US"/>
           </a:p>
@@ -10393,13 +10507,13 @@
           <a:p>
             <a:r>
               <a:rPr lang="en-US" b="1" dirty="0">
-                <a:hlinkClick r:id="rId2"/>
+                <a:hlinkClick r:id="rId3"/>
               </a:rPr>
               <a:t>http://localhost:4040/stages</a:t>
             </a:r>
             <a:r>
               <a:rPr lang="en-US" b="1" dirty="0" smtClean="0">
-                <a:hlinkClick r:id="rId2"/>
+                <a:hlinkClick r:id="rId3"/>
               </a:rPr>
               <a:t>/</a:t>
             </a:r>

--- a/Spark_PPT/Spark_Learning_Spark_part1.pptx
+++ b/Spark_PPT/Spark_Learning_Spark_part1.pptx
@@ -1377,19 +1377,19 @@
               <a:defRPr/>
             </a:pPr>
             <a:r>
-              <a:rPr lang="en-US" b="1" smtClean="0">
+              <a:rPr lang="en-US" b="1" dirty="0" smtClean="0">
                 <a:hlinkClick r:id="rId3"/>
               </a:rPr>
               <a:t>http://localhost:4040/stages/</a:t>
             </a:r>
             <a:r>
-              <a:rPr lang="en-US" smtClean="0"/>
+              <a:rPr lang="en-US" dirty="0" smtClean="0"/>
               <a:t> you can check the Spark UI.</a:t>
             </a:r>
-            <a:endParaRPr lang="en-US" b="1" smtClean="0"/>
-          </a:p>
-          <a:p>
-            <a:endParaRPr lang="en-US"/>
+            <a:endParaRPr lang="en-US" b="1" dirty="0" smtClean="0"/>
+          </a:p>
+          <a:p>
+            <a:endParaRPr lang="en-US" dirty="0"/>
           </a:p>
         </p:txBody>
       </p:sp>
